--- a/2-幻灯片/第5周-需求评审.pptx
+++ b/2-幻灯片/第5周-需求评审.pptx
@@ -9794,35 +9794,701 @@
           </a:p>
         </p:txBody>
       </p:sp>
-      <p:pic>
-        <p:nvPicPr>
-          <p:cNvPr id="4" name="图片 3">
+      <p:graphicFrame>
+        <p:nvGraphicFramePr>
+          <p:cNvPr id="5" name="表格 4">
             <a:extLst>
               <a:ext uri="{FF2B5EF4-FFF2-40B4-BE49-F238E27FC236}">
-                <a16:creationId xmlns:a16="http://schemas.microsoft.com/office/drawing/2014/main" id="{F2DFCCC3-35D9-4C39-BDE9-712F7D5173D3}"/>
+                <a16:creationId xmlns:a16="http://schemas.microsoft.com/office/drawing/2014/main" id="{29B8C588-9F05-4DA6-947E-70D9F4F78189}"/>
               </a:ext>
             </a:extLst>
           </p:cNvPr>
-          <p:cNvPicPr>
-            <a:picLocks noChangeAspect="1"/>
-          </p:cNvPicPr>
-          <p:nvPr/>
-        </p:nvPicPr>
-        <p:blipFill rotWithShape="1">
-          <a:blip r:embed="rId2"/>
-          <a:srcRect/>
-          <a:stretch/>
-        </p:blipFill>
-        <p:spPr>
-          <a:xfrm>
-            <a:off x="4529242" y="2496105"/>
-            <a:ext cx="6362700" cy="2162175"/>
-          </a:xfrm>
-          <a:prstGeom prst="rect">
-            <a:avLst/>
-          </a:prstGeom>
-        </p:spPr>
-      </p:pic>
+          <p:cNvGraphicFramePr>
+            <a:graphicFrameLocks noGrp="1"/>
+          </p:cNvGraphicFramePr>
+          <p:nvPr>
+            <p:extLst>
+              <p:ext uri="{D42A27DB-BD31-4B8C-83A1-F6EECF244321}">
+                <p14:modId xmlns:p14="http://schemas.microsoft.com/office/powerpoint/2010/main" val="514663813"/>
+              </p:ext>
+            </p:extLst>
+          </p:nvPr>
+        </p:nvGraphicFramePr>
+        <p:xfrm>
+          <a:off x="4825115" y="2375870"/>
+          <a:ext cx="5398749" cy="1917456"/>
+        </p:xfrm>
+        <a:graphic>
+          <a:graphicData uri="http://schemas.openxmlformats.org/drawingml/2006/table">
+            <a:tbl>
+              <a:tblPr firstRow="1" firstCol="1" bandRow="1">
+                <a:tableStyleId>{5C22544A-7EE6-4342-B048-85BDC9FD1C3A}</a:tableStyleId>
+              </a:tblPr>
+              <a:tblGrid>
+                <a:gridCol w="645446">
+                  <a:extLst>
+                    <a:ext uri="{9D8B030D-6E8A-4147-A177-3AD203B41FA5}">
+                      <a16:colId xmlns:a16="http://schemas.microsoft.com/office/drawing/2014/main" val="608264588"/>
+                    </a:ext>
+                  </a:extLst>
+                </a:gridCol>
+                <a:gridCol w="832938">
+                  <a:extLst>
+                    <a:ext uri="{9D8B030D-6E8A-4147-A177-3AD203B41FA5}">
+                      <a16:colId xmlns:a16="http://schemas.microsoft.com/office/drawing/2014/main" val="1100636913"/>
+                    </a:ext>
+                  </a:extLst>
+                </a:gridCol>
+                <a:gridCol w="2293031">
+                  <a:extLst>
+                    <a:ext uri="{9D8B030D-6E8A-4147-A177-3AD203B41FA5}">
+                      <a16:colId xmlns:a16="http://schemas.microsoft.com/office/drawing/2014/main" val="1713471161"/>
+                    </a:ext>
+                  </a:extLst>
+                </a:gridCol>
+                <a:gridCol w="814647">
+                  <a:extLst>
+                    <a:ext uri="{9D8B030D-6E8A-4147-A177-3AD203B41FA5}">
+                      <a16:colId xmlns:a16="http://schemas.microsoft.com/office/drawing/2014/main" val="4275638758"/>
+                    </a:ext>
+                  </a:extLst>
+                </a:gridCol>
+                <a:gridCol w="812687">
+                  <a:extLst>
+                    <a:ext uri="{9D8B030D-6E8A-4147-A177-3AD203B41FA5}">
+                      <a16:colId xmlns:a16="http://schemas.microsoft.com/office/drawing/2014/main" val="1292655244"/>
+                    </a:ext>
+                  </a:extLst>
+                </a:gridCol>
+              </a:tblGrid>
+              <a:tr h="439045">
+                <a:tc>
+                  <a:txBody>
+                    <a:bodyPr/>
+                    <a:lstStyle/>
+                    <a:p>
+                      <a:pPr algn="just">
+                        <a:lnSpc>
+                          <a:spcPct val="150000"/>
+                        </a:lnSpc>
+                        <a:spcAft>
+                          <a:spcPts val="0"/>
+                        </a:spcAft>
+                      </a:pPr>
+                      <a:r>
+                        <a:rPr lang="zh-CN" sz="1200" kern="100" dirty="0">
+                          <a:effectLst/>
+                        </a:rPr>
+                        <a:t>版本号</a:t>
+                      </a:r>
+                      <a:endParaRPr lang="zh-CN" sz="1200" kern="100" dirty="0">
+                        <a:effectLst/>
+                        <a:latin typeface="Times New Roman" panose="02020603050405020304" pitchFamily="18" charset="0"/>
+                        <a:ea typeface="宋体" panose="02010600030101010101" pitchFamily="2" charset="-122"/>
+                        <a:cs typeface="Times New Roman" panose="02020603050405020304" pitchFamily="18" charset="0"/>
+                      </a:endParaRPr>
+                    </a:p>
+                  </a:txBody>
+                  <a:tcPr marL="52705" marR="68580" marT="0" marB="0" anchor="ctr"/>
+                </a:tc>
+                <a:tc>
+                  <a:txBody>
+                    <a:bodyPr/>
+                    <a:lstStyle/>
+                    <a:p>
+                      <a:pPr algn="just">
+                        <a:lnSpc>
+                          <a:spcPct val="150000"/>
+                        </a:lnSpc>
+                        <a:spcAft>
+                          <a:spcPts val="0"/>
+                        </a:spcAft>
+                      </a:pPr>
+                      <a:r>
+                        <a:rPr lang="zh-CN" sz="1200" kern="100">
+                          <a:effectLst/>
+                        </a:rPr>
+                        <a:t>日期</a:t>
+                      </a:r>
+                      <a:endParaRPr lang="zh-CN" sz="1200" kern="100">
+                        <a:effectLst/>
+                        <a:latin typeface="Times New Roman" panose="02020603050405020304" pitchFamily="18" charset="0"/>
+                        <a:ea typeface="宋体" panose="02010600030101010101" pitchFamily="2" charset="-122"/>
+                        <a:cs typeface="Times New Roman" panose="02020603050405020304" pitchFamily="18" charset="0"/>
+                      </a:endParaRPr>
+                    </a:p>
+                  </a:txBody>
+                  <a:tcPr marL="52705" marR="68580" marT="0" marB="0" anchor="ctr"/>
+                </a:tc>
+                <a:tc>
+                  <a:txBody>
+                    <a:bodyPr/>
+                    <a:lstStyle/>
+                    <a:p>
+                      <a:pPr algn="just">
+                        <a:lnSpc>
+                          <a:spcPct val="150000"/>
+                        </a:lnSpc>
+                        <a:spcAft>
+                          <a:spcPts val="0"/>
+                        </a:spcAft>
+                      </a:pPr>
+                      <a:r>
+                        <a:rPr lang="zh-CN" sz="1200" kern="100">
+                          <a:effectLst/>
+                        </a:rPr>
+                        <a:t>修改说明</a:t>
+                      </a:r>
+                      <a:endParaRPr lang="zh-CN" sz="1200" kern="100">
+                        <a:effectLst/>
+                        <a:latin typeface="Times New Roman" panose="02020603050405020304" pitchFamily="18" charset="0"/>
+                        <a:ea typeface="宋体" panose="02010600030101010101" pitchFamily="2" charset="-122"/>
+                        <a:cs typeface="Times New Roman" panose="02020603050405020304" pitchFamily="18" charset="0"/>
+                      </a:endParaRPr>
+                    </a:p>
+                  </a:txBody>
+                  <a:tcPr marL="52705" marR="68580" marT="0" marB="0" anchor="ctr"/>
+                </a:tc>
+                <a:tc>
+                  <a:txBody>
+                    <a:bodyPr/>
+                    <a:lstStyle/>
+                    <a:p>
+                      <a:pPr algn="just">
+                        <a:lnSpc>
+                          <a:spcPct val="150000"/>
+                        </a:lnSpc>
+                        <a:spcAft>
+                          <a:spcPts val="0"/>
+                        </a:spcAft>
+                      </a:pPr>
+                      <a:r>
+                        <a:rPr lang="zh-CN" sz="1200" kern="100">
+                          <a:effectLst/>
+                        </a:rPr>
+                        <a:t>修改人</a:t>
+                      </a:r>
+                      <a:endParaRPr lang="zh-CN" sz="1200" kern="100">
+                        <a:effectLst/>
+                        <a:latin typeface="Times New Roman" panose="02020603050405020304" pitchFamily="18" charset="0"/>
+                        <a:ea typeface="宋体" panose="02010600030101010101" pitchFamily="2" charset="-122"/>
+                        <a:cs typeface="Times New Roman" panose="02020603050405020304" pitchFamily="18" charset="0"/>
+                      </a:endParaRPr>
+                    </a:p>
+                  </a:txBody>
+                  <a:tcPr marL="52705" marR="68580" marT="0" marB="0" anchor="ctr"/>
+                </a:tc>
+                <a:tc>
+                  <a:txBody>
+                    <a:bodyPr/>
+                    <a:lstStyle/>
+                    <a:p>
+                      <a:pPr algn="just">
+                        <a:lnSpc>
+                          <a:spcPct val="150000"/>
+                        </a:lnSpc>
+                        <a:spcAft>
+                          <a:spcPts val="0"/>
+                        </a:spcAft>
+                      </a:pPr>
+                      <a:r>
+                        <a:rPr lang="zh-CN" sz="1200" kern="100">
+                          <a:effectLst/>
+                        </a:rPr>
+                        <a:t>审核人</a:t>
+                      </a:r>
+                      <a:endParaRPr lang="zh-CN" sz="1200" kern="100">
+                        <a:effectLst/>
+                        <a:latin typeface="Times New Roman" panose="02020603050405020304" pitchFamily="18" charset="0"/>
+                        <a:ea typeface="宋体" panose="02010600030101010101" pitchFamily="2" charset="-122"/>
+                        <a:cs typeface="Times New Roman" panose="02020603050405020304" pitchFamily="18" charset="0"/>
+                      </a:endParaRPr>
+                    </a:p>
+                  </a:txBody>
+                  <a:tcPr marL="52705" marR="68580" marT="0" marB="0" anchor="ctr"/>
+                </a:tc>
+                <a:extLst>
+                  <a:ext uri="{0D108BD9-81ED-4DB2-BD59-A6C34878D82A}">
+                    <a16:rowId xmlns:a16="http://schemas.microsoft.com/office/drawing/2014/main" val="3632446540"/>
+                  </a:ext>
+                </a:extLst>
+              </a:tr>
+              <a:tr h="439045">
+                <a:tc>
+                  <a:txBody>
+                    <a:bodyPr/>
+                    <a:lstStyle/>
+                    <a:p>
+                      <a:pPr algn="just">
+                        <a:lnSpc>
+                          <a:spcPct val="150000"/>
+                        </a:lnSpc>
+                        <a:spcAft>
+                          <a:spcPts val="0"/>
+                        </a:spcAft>
+                      </a:pPr>
+                      <a:r>
+                        <a:rPr lang="en-US" sz="1200" kern="100" dirty="0">
+                          <a:effectLst/>
+                        </a:rPr>
+                        <a:t>1.0.0</a:t>
+                      </a:r>
+                      <a:endParaRPr lang="zh-CN" sz="1200" kern="100" dirty="0">
+                        <a:effectLst/>
+                        <a:latin typeface="Times New Roman" panose="02020603050405020304" pitchFamily="18" charset="0"/>
+                        <a:ea typeface="宋体" panose="02010600030101010101" pitchFamily="2" charset="-122"/>
+                        <a:cs typeface="Times New Roman" panose="02020603050405020304" pitchFamily="18" charset="0"/>
+                      </a:endParaRPr>
+                    </a:p>
+                  </a:txBody>
+                  <a:tcPr marL="52705" marR="68580" marT="0" marB="0" anchor="ctr"/>
+                </a:tc>
+                <a:tc>
+                  <a:txBody>
+                    <a:bodyPr/>
+                    <a:lstStyle/>
+                    <a:p>
+                      <a:pPr algn="just">
+                        <a:lnSpc>
+                          <a:spcPct val="150000"/>
+                        </a:lnSpc>
+                        <a:spcAft>
+                          <a:spcPts val="0"/>
+                        </a:spcAft>
+                      </a:pPr>
+                      <a:r>
+                        <a:rPr lang="en-US" sz="1200" kern="100">
+                          <a:effectLst/>
+                        </a:rPr>
+                        <a:t>2020.3.11</a:t>
+                      </a:r>
+                      <a:endParaRPr lang="zh-CN" sz="1200" kern="100">
+                        <a:effectLst/>
+                        <a:latin typeface="Times New Roman" panose="02020603050405020304" pitchFamily="18" charset="0"/>
+                        <a:ea typeface="宋体" panose="02010600030101010101" pitchFamily="2" charset="-122"/>
+                        <a:cs typeface="Times New Roman" panose="02020603050405020304" pitchFamily="18" charset="0"/>
+                      </a:endParaRPr>
+                    </a:p>
+                  </a:txBody>
+                  <a:tcPr marL="52705" marR="68580" marT="0" marB="0" anchor="ctr"/>
+                </a:tc>
+                <a:tc>
+                  <a:txBody>
+                    <a:bodyPr/>
+                    <a:lstStyle/>
+                    <a:p>
+                      <a:pPr algn="just">
+                        <a:lnSpc>
+                          <a:spcPct val="150000"/>
+                        </a:lnSpc>
+                        <a:spcAft>
+                          <a:spcPts val="0"/>
+                        </a:spcAft>
+                      </a:pPr>
+                      <a:r>
+                        <a:rPr lang="zh-CN" sz="1200" kern="100">
+                          <a:effectLst/>
+                        </a:rPr>
+                        <a:t>完成初稿</a:t>
+                      </a:r>
+                      <a:endParaRPr lang="zh-CN" sz="1200" kern="100">
+                        <a:effectLst/>
+                        <a:latin typeface="Times New Roman" panose="02020603050405020304" pitchFamily="18" charset="0"/>
+                        <a:ea typeface="宋体" panose="02010600030101010101" pitchFamily="2" charset="-122"/>
+                        <a:cs typeface="Times New Roman" panose="02020603050405020304" pitchFamily="18" charset="0"/>
+                      </a:endParaRPr>
+                    </a:p>
+                  </a:txBody>
+                  <a:tcPr marL="52705" marR="68580" marT="0" marB="0" anchor="ctr"/>
+                </a:tc>
+                <a:tc>
+                  <a:txBody>
+                    <a:bodyPr/>
+                    <a:lstStyle/>
+                    <a:p>
+                      <a:pPr algn="just">
+                        <a:lnSpc>
+                          <a:spcPct val="150000"/>
+                        </a:lnSpc>
+                        <a:spcAft>
+                          <a:spcPts val="0"/>
+                        </a:spcAft>
+                      </a:pPr>
+                      <a:r>
+                        <a:rPr lang="zh-CN" sz="1200" kern="100">
+                          <a:effectLst/>
+                        </a:rPr>
+                        <a:t>全体</a:t>
+                      </a:r>
+                      <a:endParaRPr lang="zh-CN" sz="1200" kern="100">
+                        <a:effectLst/>
+                        <a:latin typeface="Times New Roman" panose="02020603050405020304" pitchFamily="18" charset="0"/>
+                        <a:ea typeface="宋体" panose="02010600030101010101" pitchFamily="2" charset="-122"/>
+                        <a:cs typeface="Times New Roman" panose="02020603050405020304" pitchFamily="18" charset="0"/>
+                      </a:endParaRPr>
+                    </a:p>
+                  </a:txBody>
+                  <a:tcPr marL="52705" marR="68580" marT="0" marB="0" anchor="ctr"/>
+                </a:tc>
+                <a:tc>
+                  <a:txBody>
+                    <a:bodyPr/>
+                    <a:lstStyle/>
+                    <a:p>
+                      <a:pPr algn="just">
+                        <a:lnSpc>
+                          <a:spcPct val="150000"/>
+                        </a:lnSpc>
+                        <a:spcAft>
+                          <a:spcPts val="0"/>
+                        </a:spcAft>
+                      </a:pPr>
+                      <a:r>
+                        <a:rPr lang="zh-CN" sz="1200" kern="100">
+                          <a:effectLst/>
+                        </a:rPr>
+                        <a:t>邵志钧</a:t>
+                      </a:r>
+                      <a:endParaRPr lang="zh-CN" sz="1200" kern="100">
+                        <a:effectLst/>
+                        <a:latin typeface="Times New Roman" panose="02020603050405020304" pitchFamily="18" charset="0"/>
+                        <a:ea typeface="宋体" panose="02010600030101010101" pitchFamily="2" charset="-122"/>
+                        <a:cs typeface="Times New Roman" panose="02020603050405020304" pitchFamily="18" charset="0"/>
+                      </a:endParaRPr>
+                    </a:p>
+                  </a:txBody>
+                  <a:tcPr marL="52705" marR="68580" marT="0" marB="0" anchor="ctr"/>
+                </a:tc>
+                <a:extLst>
+                  <a:ext uri="{0D108BD9-81ED-4DB2-BD59-A6C34878D82A}">
+                    <a16:rowId xmlns:a16="http://schemas.microsoft.com/office/drawing/2014/main" val="2739058631"/>
+                  </a:ext>
+                </a:extLst>
+              </a:tr>
+              <a:tr h="439045">
+                <a:tc>
+                  <a:txBody>
+                    <a:bodyPr/>
+                    <a:lstStyle/>
+                    <a:p>
+                      <a:pPr algn="just">
+                        <a:lnSpc>
+                          <a:spcPct val="150000"/>
+                        </a:lnSpc>
+                        <a:spcAft>
+                          <a:spcPts val="0"/>
+                        </a:spcAft>
+                      </a:pPr>
+                      <a:r>
+                        <a:rPr lang="en-US" sz="1200" kern="100" dirty="0">
+                          <a:effectLst/>
+                        </a:rPr>
+                        <a:t>1.1.0</a:t>
+                      </a:r>
+                      <a:endParaRPr lang="zh-CN" sz="1200" kern="100" dirty="0">
+                        <a:effectLst/>
+                        <a:latin typeface="Times New Roman" panose="02020603050405020304" pitchFamily="18" charset="0"/>
+                        <a:ea typeface="宋体" panose="02010600030101010101" pitchFamily="2" charset="-122"/>
+                        <a:cs typeface="Times New Roman" panose="02020603050405020304" pitchFamily="18" charset="0"/>
+                      </a:endParaRPr>
+                    </a:p>
+                  </a:txBody>
+                  <a:tcPr marL="52705" marR="68580" marT="0" marB="0" anchor="ctr"/>
+                </a:tc>
+                <a:tc>
+                  <a:txBody>
+                    <a:bodyPr/>
+                    <a:lstStyle/>
+                    <a:p>
+                      <a:pPr algn="just">
+                        <a:lnSpc>
+                          <a:spcPct val="150000"/>
+                        </a:lnSpc>
+                        <a:spcAft>
+                          <a:spcPts val="0"/>
+                        </a:spcAft>
+                      </a:pPr>
+                      <a:r>
+                        <a:rPr lang="en-US" sz="1200" kern="100">
+                          <a:effectLst/>
+                        </a:rPr>
+                        <a:t>2020.3.18</a:t>
+                      </a:r>
+                      <a:endParaRPr lang="zh-CN" sz="1200" kern="100">
+                        <a:effectLst/>
+                        <a:latin typeface="Times New Roman" panose="02020603050405020304" pitchFamily="18" charset="0"/>
+                        <a:ea typeface="宋体" panose="02010600030101010101" pitchFamily="2" charset="-122"/>
+                        <a:cs typeface="Times New Roman" panose="02020603050405020304" pitchFamily="18" charset="0"/>
+                      </a:endParaRPr>
+                    </a:p>
+                  </a:txBody>
+                  <a:tcPr marL="52705" marR="68580" marT="0" marB="0" anchor="ctr"/>
+                </a:tc>
+                <a:tc>
+                  <a:txBody>
+                    <a:bodyPr/>
+                    <a:lstStyle/>
+                    <a:p>
+                      <a:pPr algn="just">
+                        <a:lnSpc>
+                          <a:spcPct val="150000"/>
+                        </a:lnSpc>
+                        <a:spcAft>
+                          <a:spcPts val="0"/>
+                        </a:spcAft>
+                      </a:pPr>
+                      <a:r>
+                        <a:rPr lang="zh-CN" sz="1200" kern="100">
+                          <a:effectLst/>
+                        </a:rPr>
+                        <a:t>全面更新，全文完善</a:t>
+                      </a:r>
+                      <a:endParaRPr lang="zh-CN" sz="1200" kern="100">
+                        <a:effectLst/>
+                        <a:latin typeface="Times New Roman" panose="02020603050405020304" pitchFamily="18" charset="0"/>
+                        <a:ea typeface="宋体" panose="02010600030101010101" pitchFamily="2" charset="-122"/>
+                        <a:cs typeface="Times New Roman" panose="02020603050405020304" pitchFamily="18" charset="0"/>
+                      </a:endParaRPr>
+                    </a:p>
+                  </a:txBody>
+                  <a:tcPr marL="52705" marR="68580" marT="0" marB="0" anchor="ctr"/>
+                </a:tc>
+                <a:tc>
+                  <a:txBody>
+                    <a:bodyPr/>
+                    <a:lstStyle/>
+                    <a:p>
+                      <a:pPr algn="just">
+                        <a:lnSpc>
+                          <a:spcPct val="150000"/>
+                        </a:lnSpc>
+                        <a:spcAft>
+                          <a:spcPts val="0"/>
+                        </a:spcAft>
+                      </a:pPr>
+                      <a:r>
+                        <a:rPr lang="zh-CN" sz="1200" kern="100">
+                          <a:effectLst/>
+                        </a:rPr>
+                        <a:t>全体</a:t>
+                      </a:r>
+                      <a:endParaRPr lang="zh-CN" sz="1200" kern="100">
+                        <a:effectLst/>
+                        <a:latin typeface="Times New Roman" panose="02020603050405020304" pitchFamily="18" charset="0"/>
+                        <a:ea typeface="宋体" panose="02010600030101010101" pitchFamily="2" charset="-122"/>
+                        <a:cs typeface="Times New Roman" panose="02020603050405020304" pitchFamily="18" charset="0"/>
+                      </a:endParaRPr>
+                    </a:p>
+                  </a:txBody>
+                  <a:tcPr marL="52705" marR="68580" marT="0" marB="0" anchor="ctr"/>
+                </a:tc>
+                <a:tc>
+                  <a:txBody>
+                    <a:bodyPr/>
+                    <a:lstStyle/>
+                    <a:p>
+                      <a:pPr algn="just">
+                        <a:lnSpc>
+                          <a:spcPct val="150000"/>
+                        </a:lnSpc>
+                        <a:spcAft>
+                          <a:spcPts val="0"/>
+                        </a:spcAft>
+                      </a:pPr>
+                      <a:r>
+                        <a:rPr lang="zh-CN" sz="1200" kern="100">
+                          <a:effectLst/>
+                        </a:rPr>
+                        <a:t>汪凌风</a:t>
+                      </a:r>
+                      <a:endParaRPr lang="zh-CN" sz="1200" kern="100">
+                        <a:effectLst/>
+                        <a:latin typeface="Times New Roman" panose="02020603050405020304" pitchFamily="18" charset="0"/>
+                        <a:ea typeface="宋体" panose="02010600030101010101" pitchFamily="2" charset="-122"/>
+                        <a:cs typeface="Times New Roman" panose="02020603050405020304" pitchFamily="18" charset="0"/>
+                      </a:endParaRPr>
+                    </a:p>
+                  </a:txBody>
+                  <a:tcPr marL="52705" marR="68580" marT="0" marB="0" anchor="ctr"/>
+                </a:tc>
+                <a:extLst>
+                  <a:ext uri="{0D108BD9-81ED-4DB2-BD59-A6C34878D82A}">
+                    <a16:rowId xmlns:a16="http://schemas.microsoft.com/office/drawing/2014/main" val="161451992"/>
+                  </a:ext>
+                </a:extLst>
+              </a:tr>
+              <a:tr h="600321">
+                <a:tc>
+                  <a:txBody>
+                    <a:bodyPr/>
+                    <a:lstStyle/>
+                    <a:p>
+                      <a:pPr algn="just">
+                        <a:lnSpc>
+                          <a:spcPct val="150000"/>
+                        </a:lnSpc>
+                        <a:spcAft>
+                          <a:spcPts val="0"/>
+                        </a:spcAft>
+                      </a:pPr>
+                      <a:r>
+                        <a:rPr lang="en-US" sz="1200" kern="100" dirty="0">
+                          <a:effectLst/>
+                        </a:rPr>
+                        <a:t>1.2.0</a:t>
+                      </a:r>
+                      <a:endParaRPr lang="zh-CN" sz="1200" kern="100" dirty="0">
+                        <a:effectLst/>
+                        <a:latin typeface="Times New Roman" panose="02020603050405020304" pitchFamily="18" charset="0"/>
+                        <a:ea typeface="宋体" panose="02010600030101010101" pitchFamily="2" charset="-122"/>
+                        <a:cs typeface="Times New Roman" panose="02020603050405020304" pitchFamily="18" charset="0"/>
+                      </a:endParaRPr>
+                    </a:p>
+                  </a:txBody>
+                  <a:tcPr marL="52705" marR="68580" marT="0" marB="0" anchor="ctr"/>
+                </a:tc>
+                <a:tc>
+                  <a:txBody>
+                    <a:bodyPr/>
+                    <a:lstStyle/>
+                    <a:p>
+                      <a:pPr algn="just">
+                        <a:lnSpc>
+                          <a:spcPct val="150000"/>
+                        </a:lnSpc>
+                        <a:spcAft>
+                          <a:spcPts val="0"/>
+                        </a:spcAft>
+                      </a:pPr>
+                      <a:r>
+                        <a:rPr lang="en-US" sz="1200" kern="100">
+                          <a:effectLst/>
+                        </a:rPr>
+                        <a:t>2020.4.1</a:t>
+                      </a:r>
+                      <a:endParaRPr lang="zh-CN" sz="1200" kern="100">
+                        <a:effectLst/>
+                        <a:latin typeface="Times New Roman" panose="02020603050405020304" pitchFamily="18" charset="0"/>
+                        <a:ea typeface="宋体" panose="02010600030101010101" pitchFamily="2" charset="-122"/>
+                        <a:cs typeface="Times New Roman" panose="02020603050405020304" pitchFamily="18" charset="0"/>
+                      </a:endParaRPr>
+                    </a:p>
+                  </a:txBody>
+                  <a:tcPr marL="52705" marR="68580" marT="0" marB="0" anchor="ctr"/>
+                </a:tc>
+                <a:tc>
+                  <a:txBody>
+                    <a:bodyPr/>
+                    <a:lstStyle/>
+                    <a:p>
+                      <a:pPr algn="just">
+                        <a:lnSpc>
+                          <a:spcPct val="150000"/>
+                        </a:lnSpc>
+                        <a:spcAft>
+                          <a:spcPts val="0"/>
+                        </a:spcAft>
+                      </a:pPr>
+                      <a:r>
+                        <a:rPr lang="zh-CN" sz="1200" kern="100">
+                          <a:effectLst/>
+                        </a:rPr>
+                        <a:t>细化项目的版本号更新规则</a:t>
+                      </a:r>
+                      <a:endParaRPr lang="zh-CN" sz="1200" kern="100">
+                        <a:effectLst/>
+                        <a:latin typeface="Times New Roman" panose="02020603050405020304" pitchFamily="18" charset="0"/>
+                        <a:ea typeface="宋体" panose="02010600030101010101" pitchFamily="2" charset="-122"/>
+                        <a:cs typeface="Times New Roman" panose="02020603050405020304" pitchFamily="18" charset="0"/>
+                      </a:endParaRPr>
+                    </a:p>
+                  </a:txBody>
+                  <a:tcPr marL="52705" marR="68580" marT="0" marB="0" anchor="ctr"/>
+                </a:tc>
+                <a:tc>
+                  <a:txBody>
+                    <a:bodyPr/>
+                    <a:lstStyle/>
+                    <a:p>
+                      <a:pPr algn="just">
+                        <a:lnSpc>
+                          <a:spcPct val="150000"/>
+                        </a:lnSpc>
+                        <a:spcAft>
+                          <a:spcPts val="0"/>
+                        </a:spcAft>
+                      </a:pPr>
+                      <a:r>
+                        <a:rPr lang="zh-CN" sz="1200" kern="100">
+                          <a:effectLst/>
+                        </a:rPr>
+                        <a:t>邵志钧 </a:t>
+                      </a:r>
+                    </a:p>
+                    <a:p>
+                      <a:pPr algn="just">
+                        <a:lnSpc>
+                          <a:spcPct val="150000"/>
+                        </a:lnSpc>
+                        <a:spcAft>
+                          <a:spcPts val="0"/>
+                        </a:spcAft>
+                      </a:pPr>
+                      <a:r>
+                        <a:rPr lang="zh-CN" sz="1200" kern="100">
+                          <a:effectLst/>
+                        </a:rPr>
+                        <a:t>汪凌风</a:t>
+                      </a:r>
+                      <a:endParaRPr lang="zh-CN" sz="1200" kern="100">
+                        <a:effectLst/>
+                        <a:latin typeface="Times New Roman" panose="02020603050405020304" pitchFamily="18" charset="0"/>
+                        <a:ea typeface="宋体" panose="02010600030101010101" pitchFamily="2" charset="-122"/>
+                        <a:cs typeface="Times New Roman" panose="02020603050405020304" pitchFamily="18" charset="0"/>
+                      </a:endParaRPr>
+                    </a:p>
+                  </a:txBody>
+                  <a:tcPr marL="52705" marR="68580" marT="0" marB="0" anchor="ctr"/>
+                </a:tc>
+                <a:tc>
+                  <a:txBody>
+                    <a:bodyPr/>
+                    <a:lstStyle/>
+                    <a:p>
+                      <a:pPr algn="just">
+                        <a:lnSpc>
+                          <a:spcPct val="150000"/>
+                        </a:lnSpc>
+                        <a:spcAft>
+                          <a:spcPts val="0"/>
+                        </a:spcAft>
+                      </a:pPr>
+                      <a:r>
+                        <a:rPr lang="zh-CN" sz="1200" kern="100" dirty="0">
+                          <a:effectLst/>
+                        </a:rPr>
+                        <a:t>汪丽萍</a:t>
+                      </a:r>
+                      <a:endParaRPr lang="zh-CN" sz="1200" kern="100" dirty="0">
+                        <a:effectLst/>
+                        <a:latin typeface="Times New Roman" panose="02020603050405020304" pitchFamily="18" charset="0"/>
+                        <a:ea typeface="宋体" panose="02010600030101010101" pitchFamily="2" charset="-122"/>
+                        <a:cs typeface="Times New Roman" panose="02020603050405020304" pitchFamily="18" charset="0"/>
+                      </a:endParaRPr>
+                    </a:p>
+                  </a:txBody>
+                  <a:tcPr marL="52705" marR="68580" marT="0" marB="0" anchor="ctr"/>
+                </a:tc>
+                <a:extLst>
+                  <a:ext uri="{0D108BD9-81ED-4DB2-BD59-A6C34878D82A}">
+                    <a16:rowId xmlns:a16="http://schemas.microsoft.com/office/drawing/2014/main" val="2441530402"/>
+                  </a:ext>
+                </a:extLst>
+              </a:tr>
+            </a:tbl>
+          </a:graphicData>
+        </a:graphic>
+      </p:graphicFrame>
     </p:spTree>
     <p:extLst>
       <p:ext uri="{BB962C8B-B14F-4D97-AF65-F5344CB8AC3E}">
@@ -10044,7 +10710,7 @@
           <p:nvPr>
             <p:extLst>
               <p:ext uri="{D42A27DB-BD31-4B8C-83A1-F6EECF244321}">
-                <p14:modId xmlns:p14="http://schemas.microsoft.com/office/powerpoint/2010/main" val="2381557504"/>
+                <p14:modId xmlns:p14="http://schemas.microsoft.com/office/powerpoint/2010/main" val="1458286266"/>
               </p:ext>
             </p:extLst>
           </p:nvPr>
@@ -10227,12 +10893,12 @@
                         </a:spcAft>
                       </a:pPr>
                       <a:r>
-                        <a:rPr lang="en-US" sz="1200" kern="100">
-                          <a:effectLst/>
-                        </a:rPr>
-                        <a:t>1.0</a:t>
-                      </a:r>
-                      <a:endParaRPr lang="zh-CN" sz="1200" kern="100">
+                        <a:rPr lang="en-US" sz="1200" kern="100" dirty="0">
+                          <a:effectLst/>
+                        </a:rPr>
+                        <a:t>1.0.0</a:t>
+                      </a:r>
+                      <a:endParaRPr lang="zh-CN" sz="1200" kern="100" dirty="0">
                         <a:effectLst/>
                         <a:latin typeface="Times New Roman" panose="02020603050405020304" pitchFamily="18" charset="0"/>
                         <a:ea typeface="宋体" panose="02010600030101010101" pitchFamily="2" charset="-122"/>
@@ -13176,10 +13842,10 @@
       </p:sp>
       <p:pic>
         <p:nvPicPr>
-          <p:cNvPr id="6" name="图片 5">
+          <p:cNvPr id="3" name="图片 2">
             <a:extLst>
               <a:ext uri="{FF2B5EF4-FFF2-40B4-BE49-F238E27FC236}">
-                <a16:creationId xmlns:a16="http://schemas.microsoft.com/office/drawing/2014/main" id="{5E94C879-FC33-4E6F-A01F-1FB777023FF0}"/>
+                <a16:creationId xmlns:a16="http://schemas.microsoft.com/office/drawing/2014/main" id="{06AD61C8-151C-4F6C-B115-F016BFB109D0}"/>
               </a:ext>
             </a:extLst>
           </p:cNvPr>
@@ -13196,8 +13862,8 @@
         </p:blipFill>
         <p:spPr>
           <a:xfrm>
-            <a:off x="0" y="1473129"/>
-            <a:ext cx="12192000" cy="5016641"/>
+            <a:off x="0" y="1613593"/>
+            <a:ext cx="12192000" cy="4911032"/>
           </a:xfrm>
           <a:prstGeom prst="rect">
             <a:avLst/>
